--- a/vue3知识图谱.pptx
+++ b/vue3知识图谱.pptx
@@ -8,12 +8,13 @@
     <p:notesMasterId r:id="rId5"/>
   </p:notesMasterIdLst>
   <p:handoutMasterIdLst>
-    <p:handoutMasterId r:id="rId7"/>
+    <p:handoutMasterId r:id="rId8"/>
   </p:handoutMasterIdLst>
   <p:sldIdLst>
     <p:sldId id="257" r:id="rId3"/>
     <p:sldId id="256" r:id="rId4"/>
     <p:sldId id="258" r:id="rId6"/>
+    <p:sldId id="260" r:id="rId7"/>
   </p:sldIdLst>
   <p:sldSz cx="12192000" cy="6858000"/>
   <p:notesSz cx="7103745" cy="10234295"/>
@@ -4729,8 +4730,8 @@
         </p:nvSpPr>
         <p:spPr>
           <a:xfrm>
-            <a:off x="1969135" y="1365250"/>
-            <a:ext cx="7693660" cy="1762125"/>
+            <a:off x="2049780" y="2158365"/>
+            <a:ext cx="7693660" cy="2705735"/>
           </a:xfrm>
           <a:prstGeom prst="rect">
             <a:avLst/>
@@ -4820,6 +4821,638 @@
               <a:t>实践：计算属性的 getter 应只做计算而没有任何其他的副作用；免直接修改计算属性值</a:t>
             </a:r>
             <a:endParaRPr lang="zh-CN" altLang="en-US"/>
+          </a:p>
+        </p:txBody>
+      </p:sp>
+    </p:spTree>
+  </p:cSld>
+  <p:clrMapOvr>
+    <a:masterClrMapping/>
+  </p:clrMapOvr>
+</p:sld>
+</file>
+
+<file path=ppt/slides/slide4.xml><?xml version="1.0" encoding="utf-8"?>
+<p:sld xmlns:a="http://schemas.openxmlformats.org/drawingml/2006/main" xmlns:r="http://schemas.openxmlformats.org/officeDocument/2006/relationships" xmlns:p="http://schemas.openxmlformats.org/presentationml/2006/main">
+  <p:cSld>
+    <p:spTree>
+      <p:nvGrpSpPr>
+        <p:cNvPr id="1" name=""/>
+        <p:cNvGrpSpPr/>
+        <p:nvPr/>
+      </p:nvGrpSpPr>
+      <p:grpSpPr/>
+      <p:sp>
+        <p:nvSpPr>
+          <p:cNvPr id="4" name="矩形 3"/>
+          <p:cNvSpPr/>
+          <p:nvPr/>
+        </p:nvSpPr>
+        <p:spPr>
+          <a:xfrm>
+            <a:off x="1913890" y="361950"/>
+            <a:ext cx="3312795" cy="3402330"/>
+          </a:xfrm>
+          <a:prstGeom prst="rect">
+            <a:avLst/>
+          </a:prstGeom>
+          <a:ln>
+            <a:solidFill>
+              <a:schemeClr val="tx1"/>
+            </a:solidFill>
+          </a:ln>
+        </p:spPr>
+        <p:style>
+          <a:lnRef idx="2">
+            <a:schemeClr val="accent6"/>
+          </a:lnRef>
+          <a:fillRef idx="1">
+            <a:schemeClr val="lt1"/>
+          </a:fillRef>
+          <a:effectRef idx="0">
+            <a:schemeClr val="accent6"/>
+          </a:effectRef>
+          <a:fontRef idx="minor">
+            <a:schemeClr val="dk1"/>
+          </a:fontRef>
+        </p:style>
+        <p:txBody>
+          <a:bodyPr rtlCol="0" anchor="ctr"/>
+          <a:p>
+            <a:pPr algn="l"/>
+            <a:r>
+              <a:rPr lang="en-US" altLang="zh-CN"/>
+              <a:t>js:</a:t>
+            </a:r>
+            <a:endParaRPr lang="en-US" altLang="zh-CN"/>
+          </a:p>
+          <a:p>
+            <a:pPr algn="ctr"/>
+            <a:r>
+              <a:rPr lang="zh-CN" altLang="en-US"/>
+              <a:t>const classObj = reactive({</a:t>
+            </a:r>
+            <a:endParaRPr lang="zh-CN" altLang="en-US"/>
+          </a:p>
+          <a:p>
+            <a:pPr algn="ctr"/>
+            <a:r>
+              <a:rPr lang="zh-CN" altLang="en-US"/>
+              <a:t>  </a:t>
+            </a:r>
+            <a:r>
+              <a:rPr lang="en-US" altLang="zh-CN"/>
+              <a:t>className1</a:t>
+            </a:r>
+            <a:r>
+              <a:rPr lang="zh-CN" altLang="en-US"/>
+              <a:t>: true,</a:t>
+            </a:r>
+            <a:endParaRPr lang="zh-CN" altLang="en-US"/>
+          </a:p>
+          <a:p>
+            <a:pPr algn="ctr"/>
+            <a:r>
+              <a:rPr lang="zh-CN" altLang="en-US"/>
+              <a:t>  </a:t>
+            </a:r>
+            <a:r>
+              <a:rPr lang="en-US" altLang="zh-CN"/>
+              <a:t>className2</a:t>
+            </a:r>
+            <a:r>
+              <a:rPr lang="zh-CN" altLang="en-US"/>
+              <a:t>: </a:t>
+            </a:r>
+            <a:r>
+              <a:rPr lang="en-US" altLang="zh-CN"/>
+              <a:t>false</a:t>
+            </a:r>
+            <a:endParaRPr lang="zh-CN" altLang="en-US"/>
+          </a:p>
+          <a:p>
+            <a:pPr algn="ctr"/>
+            <a:r>
+              <a:rPr lang="zh-CN" altLang="en-US"/>
+              <a:t>})</a:t>
+            </a:r>
+            <a:endParaRPr lang="zh-CN" altLang="en-US"/>
+          </a:p>
+          <a:p>
+            <a:pPr algn="l"/>
+            <a:r>
+              <a:rPr lang="en-US" altLang="zh-CN"/>
+              <a:t>html:</a:t>
+            </a:r>
+            <a:endParaRPr lang="en-US" altLang="zh-CN"/>
+          </a:p>
+          <a:p>
+            <a:pPr algn="ctr"/>
+            <a:r>
+              <a:rPr lang="en-US" altLang="zh-CN"/>
+              <a:t>&lt;div :class=’classObj’&gt;&lt;/div&gt;</a:t>
+            </a:r>
+            <a:endParaRPr lang="en-US" altLang="zh-CN"/>
+          </a:p>
+          <a:p>
+            <a:pPr algn="l"/>
+            <a:r>
+              <a:rPr lang="en-US" altLang="zh-CN"/>
+              <a:t>css:</a:t>
+            </a:r>
+            <a:endParaRPr lang="en-US" altLang="zh-CN"/>
+          </a:p>
+          <a:p>
+            <a:pPr algn="ctr"/>
+            <a:r>
+              <a:rPr lang="en-US" altLang="zh-CN"/>
+              <a:t>.className1{...}</a:t>
+            </a:r>
+            <a:endParaRPr lang="en-US" altLang="zh-CN"/>
+          </a:p>
+          <a:p>
+            <a:pPr algn="ctr"/>
+            <a:r>
+              <a:rPr lang="en-US" altLang="zh-CN"/>
+              <a:t>.classNmae2{...}</a:t>
+            </a:r>
+            <a:endParaRPr lang="en-US" altLang="zh-CN"/>
+          </a:p>
+        </p:txBody>
+      </p:sp>
+      <p:cxnSp>
+        <p:nvCxnSpPr>
+          <p:cNvPr id="5" name="直接箭头连接符 4"/>
+          <p:cNvCxnSpPr>
+            <a:stCxn id="4" idx="3"/>
+          </p:cNvCxnSpPr>
+          <p:nvPr/>
+        </p:nvCxnSpPr>
+        <p:spPr>
+          <a:xfrm>
+            <a:off x="5226685" y="2063115"/>
+            <a:ext cx="1576070" cy="0"/>
+          </a:xfrm>
+          <a:prstGeom prst="straightConnector1">
+            <a:avLst/>
+          </a:prstGeom>
+          <a:ln>
+            <a:tailEnd type="arrow" w="med" len="med"/>
+          </a:ln>
+        </p:spPr>
+        <p:style>
+          <a:lnRef idx="1">
+            <a:schemeClr val="dk1"/>
+          </a:lnRef>
+          <a:fillRef idx="0">
+            <a:schemeClr val="dk1"/>
+          </a:fillRef>
+          <a:effectRef idx="0">
+            <a:schemeClr val="dk1"/>
+          </a:effectRef>
+          <a:fontRef idx="minor">
+            <a:schemeClr val="tx1"/>
+          </a:fontRef>
+        </p:style>
+      </p:cxnSp>
+      <p:sp>
+        <p:nvSpPr>
+          <p:cNvPr id="6" name="矩形 5"/>
+          <p:cNvSpPr/>
+          <p:nvPr/>
+        </p:nvSpPr>
+        <p:spPr>
+          <a:xfrm>
+            <a:off x="6802755" y="1068070"/>
+            <a:ext cx="3312795" cy="1966595"/>
+          </a:xfrm>
+          <a:prstGeom prst="rect">
+            <a:avLst/>
+          </a:prstGeom>
+          <a:ln>
+            <a:solidFill>
+              <a:schemeClr val="tx1"/>
+            </a:solidFill>
+          </a:ln>
+        </p:spPr>
+        <p:style>
+          <a:lnRef idx="2">
+            <a:schemeClr val="accent6"/>
+          </a:lnRef>
+          <a:fillRef idx="1">
+            <a:schemeClr val="lt1"/>
+          </a:fillRef>
+          <a:effectRef idx="0">
+            <a:schemeClr val="accent6"/>
+          </a:effectRef>
+          <a:fontRef idx="minor">
+            <a:schemeClr val="dk1"/>
+          </a:fontRef>
+        </p:style>
+        <p:txBody>
+          <a:bodyPr rtlCol="0" anchor="ctr"/>
+          <a:p>
+            <a:pPr algn="ctr"/>
+            <a:r>
+              <a:rPr lang="en-US" altLang="zh-CN"/>
+              <a:t>&lt;div class=”className1”&gt;</a:t>
+            </a:r>
+            <a:endParaRPr lang="en-US" altLang="zh-CN"/>
+          </a:p>
+        </p:txBody>
+      </p:sp>
+      <p:sp>
+        <p:nvSpPr>
+          <p:cNvPr id="7" name="矩形 6"/>
+          <p:cNvSpPr/>
+          <p:nvPr/>
+        </p:nvSpPr>
+        <p:spPr>
+          <a:xfrm>
+            <a:off x="1913890" y="4109085"/>
+            <a:ext cx="3312795" cy="2327275"/>
+          </a:xfrm>
+          <a:prstGeom prst="rect">
+            <a:avLst/>
+          </a:prstGeom>
+          <a:ln>
+            <a:solidFill>
+              <a:schemeClr val="tx1"/>
+            </a:solidFill>
+          </a:ln>
+        </p:spPr>
+        <p:style>
+          <a:lnRef idx="2">
+            <a:schemeClr val="accent6"/>
+          </a:lnRef>
+          <a:fillRef idx="1">
+            <a:schemeClr val="lt1"/>
+          </a:fillRef>
+          <a:effectRef idx="0">
+            <a:schemeClr val="accent6"/>
+          </a:effectRef>
+          <a:fontRef idx="minor">
+            <a:schemeClr val="dk1"/>
+          </a:fontRef>
+        </p:style>
+        <p:txBody>
+          <a:bodyPr rtlCol="0" anchor="ctr"/>
+          <a:p>
+            <a:pPr algn="l"/>
+            <a:r>
+              <a:rPr lang="en-US" altLang="zh-CN"/>
+              <a:t>js:</a:t>
+            </a:r>
+            <a:endParaRPr lang="en-US" altLang="zh-CN"/>
+          </a:p>
+          <a:p>
+            <a:pPr algn="ctr"/>
+            <a:r>
+              <a:rPr lang="zh-CN" altLang="en-US"/>
+              <a:t>const </a:t>
+            </a:r>
+            <a:r>
+              <a:rPr lang="en-US" altLang="zh-CN"/>
+              <a:t>style</a:t>
+            </a:r>
+            <a:r>
+              <a:rPr lang="zh-CN" altLang="en-US"/>
+              <a:t>Obj = reactive({</a:t>
+            </a:r>
+            <a:endParaRPr lang="zh-CN" altLang="en-US"/>
+          </a:p>
+          <a:p>
+            <a:pPr algn="ctr"/>
+            <a:r>
+              <a:rPr lang="zh-CN" altLang="en-US"/>
+              <a:t>  </a:t>
+            </a:r>
+            <a:r>
+              <a:rPr lang="en-US" altLang="zh-CN"/>
+              <a:t>propName1</a:t>
+            </a:r>
+            <a:r>
+              <a:rPr lang="zh-CN" altLang="en-US"/>
+              <a:t>: </a:t>
+            </a:r>
+            <a:r>
+              <a:rPr lang="en-US" altLang="zh-CN"/>
+              <a:t>value1</a:t>
+            </a:r>
+            <a:r>
+              <a:rPr lang="zh-CN" altLang="en-US"/>
+              <a:t>,</a:t>
+            </a:r>
+            <a:endParaRPr lang="zh-CN" altLang="en-US"/>
+          </a:p>
+          <a:p>
+            <a:pPr algn="ctr"/>
+            <a:r>
+              <a:rPr lang="zh-CN" altLang="en-US"/>
+              <a:t> </a:t>
+            </a:r>
+            <a:r>
+              <a:rPr lang="en-US" altLang="zh-CN"/>
+              <a:t>propName2</a:t>
+            </a:r>
+            <a:r>
+              <a:rPr lang="zh-CN" altLang="en-US"/>
+              <a:t>: </a:t>
+            </a:r>
+            <a:r>
+              <a:rPr lang="en-US" altLang="zh-CN"/>
+              <a:t>value2</a:t>
+            </a:r>
+            <a:endParaRPr lang="zh-CN" altLang="en-US"/>
+          </a:p>
+          <a:p>
+            <a:pPr algn="ctr"/>
+            <a:r>
+              <a:rPr lang="zh-CN" altLang="en-US"/>
+              <a:t>})</a:t>
+            </a:r>
+            <a:endParaRPr lang="zh-CN" altLang="en-US"/>
+          </a:p>
+          <a:p>
+            <a:pPr algn="l"/>
+            <a:r>
+              <a:rPr lang="en-US" altLang="zh-CN"/>
+              <a:t>html:</a:t>
+            </a:r>
+            <a:endParaRPr lang="en-US" altLang="zh-CN"/>
+          </a:p>
+          <a:p>
+            <a:pPr algn="ctr"/>
+            <a:r>
+              <a:rPr lang="en-US" altLang="zh-CN"/>
+              <a:t>&lt;div :style=’styleObj’&gt;&lt;/div&gt;</a:t>
+            </a:r>
+            <a:endParaRPr lang="en-US" altLang="zh-CN"/>
+          </a:p>
+        </p:txBody>
+      </p:sp>
+      <p:cxnSp>
+        <p:nvCxnSpPr>
+          <p:cNvPr id="8" name="直接箭头连接符 7"/>
+          <p:cNvCxnSpPr>
+            <a:stCxn id="7" idx="3"/>
+          </p:cNvCxnSpPr>
+          <p:nvPr/>
+        </p:nvCxnSpPr>
+        <p:spPr>
+          <a:xfrm>
+            <a:off x="5226685" y="5273040"/>
+            <a:ext cx="1576070" cy="0"/>
+          </a:xfrm>
+          <a:prstGeom prst="straightConnector1">
+            <a:avLst/>
+          </a:prstGeom>
+          <a:ln>
+            <a:tailEnd type="arrow" w="med" len="med"/>
+          </a:ln>
+        </p:spPr>
+        <p:style>
+          <a:lnRef idx="1">
+            <a:schemeClr val="dk1"/>
+          </a:lnRef>
+          <a:fillRef idx="0">
+            <a:schemeClr val="dk1"/>
+          </a:fillRef>
+          <a:effectRef idx="0">
+            <a:schemeClr val="dk1"/>
+          </a:effectRef>
+          <a:fontRef idx="minor">
+            <a:schemeClr val="tx1"/>
+          </a:fontRef>
+        </p:style>
+      </p:cxnSp>
+      <p:sp>
+        <p:nvSpPr>
+          <p:cNvPr id="9" name="矩形 8"/>
+          <p:cNvSpPr/>
+          <p:nvPr/>
+        </p:nvSpPr>
+        <p:spPr>
+          <a:xfrm>
+            <a:off x="6802755" y="4289425"/>
+            <a:ext cx="3312795" cy="1966595"/>
+          </a:xfrm>
+          <a:prstGeom prst="rect">
+            <a:avLst/>
+          </a:prstGeom>
+          <a:ln>
+            <a:solidFill>
+              <a:schemeClr val="tx1"/>
+            </a:solidFill>
+          </a:ln>
+        </p:spPr>
+        <p:style>
+          <a:lnRef idx="2">
+            <a:schemeClr val="accent6"/>
+          </a:lnRef>
+          <a:fillRef idx="1">
+            <a:schemeClr val="lt1"/>
+          </a:fillRef>
+          <a:effectRef idx="0">
+            <a:schemeClr val="accent6"/>
+          </a:effectRef>
+          <a:fontRef idx="minor">
+            <a:schemeClr val="dk1"/>
+          </a:fontRef>
+        </p:style>
+        <p:txBody>
+          <a:bodyPr rtlCol="0" anchor="ctr"/>
+          <a:p>
+            <a:pPr algn="ctr"/>
+            <a:r>
+              <a:rPr lang="en-US" altLang="zh-CN"/>
+              <a:t>&lt;div style=”</a:t>
+            </a:r>
+            <a:r>
+              <a:rPr lang="en-US" altLang="zh-CN">
+                <a:sym typeface="+mn-ea"/>
+              </a:rPr>
+              <a:t>propName1</a:t>
+            </a:r>
+            <a:r>
+              <a:rPr lang="zh-CN" altLang="en-US">
+                <a:sym typeface="+mn-ea"/>
+              </a:rPr>
+              <a:t>: </a:t>
+            </a:r>
+            <a:r>
+              <a:rPr lang="en-US" altLang="zh-CN">
+                <a:sym typeface="+mn-ea"/>
+              </a:rPr>
+              <a:t>value1;propName2</a:t>
+            </a:r>
+            <a:r>
+              <a:rPr lang="zh-CN" altLang="en-US">
+                <a:sym typeface="+mn-ea"/>
+              </a:rPr>
+              <a:t>: </a:t>
+            </a:r>
+            <a:r>
+              <a:rPr lang="en-US" altLang="zh-CN">
+                <a:sym typeface="+mn-ea"/>
+              </a:rPr>
+              <a:t>value2</a:t>
+            </a:r>
+            <a:r>
+              <a:rPr lang="en-US" altLang="zh-CN"/>
+              <a:t>”&gt;</a:t>
+            </a:r>
+            <a:endParaRPr lang="en-US" altLang="zh-CN"/>
+          </a:p>
+        </p:txBody>
+      </p:sp>
+      <p:sp>
+        <p:nvSpPr>
+          <p:cNvPr id="10" name="左箭头 9"/>
+          <p:cNvSpPr/>
+          <p:nvPr/>
+        </p:nvSpPr>
+        <p:spPr>
+          <a:xfrm rot="20460000">
+            <a:off x="4604385" y="1105535"/>
+            <a:ext cx="946785" cy="259715"/>
+          </a:xfrm>
+          <a:prstGeom prst="leftArrow">
+            <a:avLst/>
+          </a:prstGeom>
+        </p:spPr>
+        <p:style>
+          <a:lnRef idx="2">
+            <a:schemeClr val="accent2">
+              <a:shade val="50000"/>
+            </a:schemeClr>
+          </a:lnRef>
+          <a:fillRef idx="1">
+            <a:schemeClr val="accent2"/>
+          </a:fillRef>
+          <a:effectRef idx="0">
+            <a:schemeClr val="accent2"/>
+          </a:effectRef>
+          <a:fontRef idx="minor">
+            <a:schemeClr val="lt1"/>
+          </a:fontRef>
+        </p:style>
+        <p:txBody>
+          <a:bodyPr rtlCol="0" anchor="ctr"/>
+          <a:p>
+            <a:pPr algn="ctr"/>
+            <a:endParaRPr lang="zh-CN" altLang="en-US"/>
+          </a:p>
+        </p:txBody>
+      </p:sp>
+      <p:sp>
+        <p:nvSpPr>
+          <p:cNvPr id="11" name="文本框 10"/>
+          <p:cNvSpPr txBox="1"/>
+          <p:nvPr/>
+        </p:nvSpPr>
+        <p:spPr>
+          <a:xfrm>
+            <a:off x="5542915" y="855980"/>
+            <a:ext cx="979805" cy="460375"/>
+          </a:xfrm>
+          <a:prstGeom prst="rect">
+            <a:avLst/>
+          </a:prstGeom>
+          <a:noFill/>
+        </p:spPr>
+        <p:txBody>
+          <a:bodyPr wrap="square" rtlCol="0">
+            <a:spAutoFit/>
+          </a:bodyPr>
+          <a:p>
+            <a:r>
+              <a:rPr lang="zh-CN" altLang="en-US" sz="1200"/>
+              <a:t>可替换为</a:t>
+            </a:r>
+            <a:endParaRPr lang="zh-CN" altLang="en-US" sz="1200"/>
+          </a:p>
+          <a:p>
+            <a:r>
+              <a:rPr lang="zh-CN" altLang="en-US" sz="1200"/>
+              <a:t>响应式数据</a:t>
+            </a:r>
+            <a:endParaRPr lang="zh-CN" altLang="en-US" sz="1200"/>
+          </a:p>
+        </p:txBody>
+      </p:sp>
+      <p:sp>
+        <p:nvSpPr>
+          <p:cNvPr id="12" name="左箭头 11"/>
+          <p:cNvSpPr/>
+          <p:nvPr/>
+        </p:nvSpPr>
+        <p:spPr>
+          <a:xfrm rot="20460000">
+            <a:off x="4629150" y="4763770"/>
+            <a:ext cx="946785" cy="259715"/>
+          </a:xfrm>
+          <a:prstGeom prst="leftArrow">
+            <a:avLst/>
+          </a:prstGeom>
+        </p:spPr>
+        <p:style>
+          <a:lnRef idx="2">
+            <a:schemeClr val="accent2">
+              <a:shade val="50000"/>
+            </a:schemeClr>
+          </a:lnRef>
+          <a:fillRef idx="1">
+            <a:schemeClr val="accent2"/>
+          </a:fillRef>
+          <a:effectRef idx="0">
+            <a:schemeClr val="accent2"/>
+          </a:effectRef>
+          <a:fontRef idx="minor">
+            <a:schemeClr val="lt1"/>
+          </a:fontRef>
+        </p:style>
+        <p:txBody>
+          <a:bodyPr rtlCol="0" anchor="ctr"/>
+          <a:p>
+            <a:pPr algn="ctr"/>
+            <a:endParaRPr lang="zh-CN" altLang="en-US"/>
+          </a:p>
+        </p:txBody>
+      </p:sp>
+      <p:sp>
+        <p:nvSpPr>
+          <p:cNvPr id="13" name="文本框 12"/>
+          <p:cNvSpPr txBox="1"/>
+          <p:nvPr/>
+        </p:nvSpPr>
+        <p:spPr>
+          <a:xfrm>
+            <a:off x="5567680" y="4514215"/>
+            <a:ext cx="979805" cy="460375"/>
+          </a:xfrm>
+          <a:prstGeom prst="rect">
+            <a:avLst/>
+          </a:prstGeom>
+          <a:noFill/>
+        </p:spPr>
+        <p:txBody>
+          <a:bodyPr wrap="square" rtlCol="0">
+            <a:spAutoFit/>
+          </a:bodyPr>
+          <a:p>
+            <a:r>
+              <a:rPr lang="zh-CN" altLang="en-US" sz="1200"/>
+              <a:t>可替换为</a:t>
+            </a:r>
+            <a:endParaRPr lang="zh-CN" altLang="en-US" sz="1200"/>
+          </a:p>
+          <a:p>
+            <a:r>
+              <a:rPr lang="zh-CN" altLang="en-US" sz="1200"/>
+              <a:t>响应式数据</a:t>
+            </a:r>
+            <a:endParaRPr lang="zh-CN" altLang="en-US" sz="1200"/>
           </a:p>
         </p:txBody>
       </p:sp>

--- a/vue3知识图谱.pptx
+++ b/vue3知识图谱.pptx
@@ -5,14 +5,14 @@
     <p:sldMasterId id="2147483648" r:id="rId1"/>
   </p:sldMasterIdLst>
   <p:notesMasterIdLst>
-    <p:notesMasterId r:id="rId5"/>
+    <p:notesMasterId r:id="rId4"/>
   </p:notesMasterIdLst>
   <p:handoutMasterIdLst>
     <p:handoutMasterId r:id="rId8"/>
   </p:handoutMasterIdLst>
   <p:sldIdLst>
     <p:sldId id="257" r:id="rId3"/>
-    <p:sldId id="256" r:id="rId4"/>
+    <p:sldId id="256" r:id="rId5"/>
     <p:sldId id="258" r:id="rId6"/>
     <p:sldId id="260" r:id="rId7"/>
   </p:sldIdLst>
@@ -630,6 +630,54 @@
         <p:cNvGrpSpPr/>
         <p:nvPr/>
       </p:nvGrpSpPr>
+      <p:grpSpPr/>
+      <p:sp>
+        <p:nvSpPr>
+          <p:cNvPr id="2" name="幻灯片图像占位符 1"/>
+          <p:cNvSpPr/>
+          <p:nvPr>
+            <p:ph type="sldImg" idx="2"/>
+          </p:nvPr>
+        </p:nvSpPr>
+        <p:spPr/>
+      </p:sp>
+      <p:sp>
+        <p:nvSpPr>
+          <p:cNvPr id="3" name="文本占位符 2"/>
+          <p:cNvSpPr/>
+          <p:nvPr>
+            <p:ph type="body" idx="3"/>
+          </p:nvPr>
+        </p:nvSpPr>
+        <p:spPr/>
+        <p:txBody>
+          <a:bodyPr/>
+          <a:p>
+            <a:r>
+              <a:rPr lang="zh-CN" altLang="en-US"/>
+              <a:t>代理</a:t>
+            </a:r>
+            <a:endParaRPr lang="zh-CN" altLang="en-US"/>
+          </a:p>
+        </p:txBody>
+      </p:sp>
+    </p:spTree>
+  </p:cSld>
+  <p:clrMapOvr>
+    <a:masterClrMapping/>
+  </p:clrMapOvr>
+</p:notes>
+</file>
+
+<file path=ppt/notesSlides/notesSlide2.xml><?xml version="1.0" encoding="utf-8"?>
+<p:notes xmlns:a="http://schemas.openxmlformats.org/drawingml/2006/main" xmlns:r="http://schemas.openxmlformats.org/officeDocument/2006/relationships" xmlns:p="http://schemas.openxmlformats.org/presentationml/2006/main">
+  <p:cSld>
+    <p:spTree>
+      <p:nvGrpSpPr>
+        <p:cNvPr id="1" name=""/>
+        <p:cNvGrpSpPr/>
+        <p:nvPr/>
+      </p:nvGrpSpPr>
       <p:grpSpPr>
         <a:xfrm>
           <a:off x="0" y="0"/>
@@ -665,6 +713,14 @@
           <a:bodyPr/>
           <a:lstStyle/>
           <a:p>
+            <a:r>
+              <a:rPr kumimoji="1" lang="en-US" altLang="zh-CN"/>
+              <a:t>vue3</a:t>
+            </a:r>
+            <a:r>
+              <a:rPr kumimoji="1" lang="zh-CN" altLang="en-US"/>
+              <a:t>响应式</a:t>
+            </a:r>
             <a:endParaRPr kumimoji="1" lang="zh-CN" altLang="en-US"/>
           </a:p>
         </p:txBody>
@@ -687,6 +743,118 @@
             <a:fld id="{85D0DACE-38E0-42D2-9336-2B707D34BC6D}" type="slidenum">
               <a:rPr lang="zh-CN" altLang="en-US" smtClean="0"/>
             </a:fld>
+            <a:endParaRPr lang="zh-CN" altLang="en-US"/>
+          </a:p>
+        </p:txBody>
+      </p:sp>
+    </p:spTree>
+  </p:cSld>
+  <p:clrMapOvr>
+    <a:masterClrMapping/>
+  </p:clrMapOvr>
+</p:notes>
+</file>
+
+<file path=ppt/notesSlides/notesSlide3.xml><?xml version="1.0" encoding="utf-8"?>
+<p:notes xmlns:a="http://schemas.openxmlformats.org/drawingml/2006/main" xmlns:r="http://schemas.openxmlformats.org/officeDocument/2006/relationships" xmlns:p="http://schemas.openxmlformats.org/presentationml/2006/main">
+  <p:cSld>
+    <p:spTree>
+      <p:nvGrpSpPr>
+        <p:cNvPr id="1" name=""/>
+        <p:cNvGrpSpPr/>
+        <p:nvPr/>
+      </p:nvGrpSpPr>
+      <p:grpSpPr/>
+      <p:sp>
+        <p:nvSpPr>
+          <p:cNvPr id="2" name="幻灯片图像占位符 1"/>
+          <p:cNvSpPr/>
+          <p:nvPr>
+            <p:ph type="sldImg" idx="2"/>
+          </p:nvPr>
+        </p:nvSpPr>
+        <p:spPr/>
+      </p:sp>
+      <p:sp>
+        <p:nvSpPr>
+          <p:cNvPr id="3" name="文本占位符 2"/>
+          <p:cNvSpPr/>
+          <p:nvPr>
+            <p:ph type="body" idx="3"/>
+          </p:nvPr>
+        </p:nvSpPr>
+        <p:spPr/>
+        <p:txBody>
+          <a:bodyPr/>
+          <a:p>
+            <a:r>
+              <a:rPr lang="zh-CN" altLang="en-US"/>
+              <a:t>计算</a:t>
+            </a:r>
+            <a:r>
+              <a:rPr lang="zh-CN" altLang="en-US"/>
+              <a:t>属性</a:t>
+            </a:r>
+            <a:endParaRPr lang="zh-CN" altLang="en-US"/>
+          </a:p>
+        </p:txBody>
+      </p:sp>
+    </p:spTree>
+  </p:cSld>
+  <p:clrMapOvr>
+    <a:masterClrMapping/>
+  </p:clrMapOvr>
+</p:notes>
+</file>
+
+<file path=ppt/notesSlides/notesSlide4.xml><?xml version="1.0" encoding="utf-8"?>
+<p:notes xmlns:a="http://schemas.openxmlformats.org/drawingml/2006/main" xmlns:r="http://schemas.openxmlformats.org/officeDocument/2006/relationships" xmlns:p="http://schemas.openxmlformats.org/presentationml/2006/main">
+  <p:cSld>
+    <p:spTree>
+      <p:nvGrpSpPr>
+        <p:cNvPr id="1" name=""/>
+        <p:cNvGrpSpPr/>
+        <p:nvPr/>
+      </p:nvGrpSpPr>
+      <p:grpSpPr/>
+      <p:sp>
+        <p:nvSpPr>
+          <p:cNvPr id="2" name="幻灯片图像占位符 1"/>
+          <p:cNvSpPr/>
+          <p:nvPr>
+            <p:ph type="sldImg" idx="2"/>
+          </p:nvPr>
+        </p:nvSpPr>
+        <p:spPr/>
+      </p:sp>
+      <p:sp>
+        <p:nvSpPr>
+          <p:cNvPr id="3" name="文本占位符 2"/>
+          <p:cNvSpPr/>
+          <p:nvPr>
+            <p:ph type="body" idx="3"/>
+          </p:nvPr>
+        </p:nvSpPr>
+        <p:spPr/>
+        <p:txBody>
+          <a:bodyPr/>
+          <a:p>
+            <a:r>
+              <a:rPr lang="en-US" altLang="zh-CN"/>
+              <a:t>class</a:t>
+            </a:r>
+            <a:r>
+              <a:rPr lang="zh-CN" altLang="en-US"/>
+              <a:t>与</a:t>
+            </a:r>
+            <a:r>
+              <a:rPr lang="en-US" altLang="zh-CN"/>
+              <a:t>style</a:t>
+            </a:r>
+            <a:r>
+              <a:rPr lang="zh-CN" altLang="en-US"/>
+              <a:t>绑定</a:t>
+            </a:r>
             <a:endParaRPr lang="zh-CN" altLang="en-US"/>
           </a:p>
         </p:txBody>
